--- a/Hospital/Hospital – Entidades e Atributos.pptx
+++ b/Hospital/Hospital – Entidades e Atributos.pptx
@@ -7,7 +7,8 @@
   <p:sldIdLst>
     <p:sldId id="256" r:id="rId2"/>
     <p:sldId id="257" r:id="rId3"/>
-    <p:sldId id="258" r:id="rId4"/>
+    <p:sldId id="259" r:id="rId4"/>
+    <p:sldId id="258" r:id="rId5"/>
   </p:sldIdLst>
   <p:sldSz cx="9144000" cy="6858000" type="screen4x3"/>
   <p:notesSz cx="6858000" cy="9144000"/>
@@ -290,7 +291,7 @@
           <a:p>
             <a:fld id="{A181EDF2-9F75-4EB1-8F26-F8DC2F3B82A2}" type="datetimeFigureOut">
               <a:rPr lang="pt-BR" smtClean="0"/>
-              <a:t>21/08/2020</a:t>
+              <a:t>28/08/2020</a:t>
             </a:fld>
             <a:endParaRPr lang="pt-BR"/>
           </a:p>
@@ -460,7 +461,7 @@
           <a:p>
             <a:fld id="{A181EDF2-9F75-4EB1-8F26-F8DC2F3B82A2}" type="datetimeFigureOut">
               <a:rPr lang="pt-BR" smtClean="0"/>
-              <a:t>21/08/2020</a:t>
+              <a:t>28/08/2020</a:t>
             </a:fld>
             <a:endParaRPr lang="pt-BR"/>
           </a:p>
@@ -640,7 +641,7 @@
           <a:p>
             <a:fld id="{A181EDF2-9F75-4EB1-8F26-F8DC2F3B82A2}" type="datetimeFigureOut">
               <a:rPr lang="pt-BR" smtClean="0"/>
-              <a:t>21/08/2020</a:t>
+              <a:t>28/08/2020</a:t>
             </a:fld>
             <a:endParaRPr lang="pt-BR"/>
           </a:p>
@@ -810,7 +811,7 @@
           <a:p>
             <a:fld id="{A181EDF2-9F75-4EB1-8F26-F8DC2F3B82A2}" type="datetimeFigureOut">
               <a:rPr lang="pt-BR" smtClean="0"/>
-              <a:t>21/08/2020</a:t>
+              <a:t>28/08/2020</a:t>
             </a:fld>
             <a:endParaRPr lang="pt-BR"/>
           </a:p>
@@ -1056,7 +1057,7 @@
           <a:p>
             <a:fld id="{A181EDF2-9F75-4EB1-8F26-F8DC2F3B82A2}" type="datetimeFigureOut">
               <a:rPr lang="pt-BR" smtClean="0"/>
-              <a:t>21/08/2020</a:t>
+              <a:t>28/08/2020</a:t>
             </a:fld>
             <a:endParaRPr lang="pt-BR"/>
           </a:p>
@@ -1344,7 +1345,7 @@
           <a:p>
             <a:fld id="{A181EDF2-9F75-4EB1-8F26-F8DC2F3B82A2}" type="datetimeFigureOut">
               <a:rPr lang="pt-BR" smtClean="0"/>
-              <a:t>21/08/2020</a:t>
+              <a:t>28/08/2020</a:t>
             </a:fld>
             <a:endParaRPr lang="pt-BR"/>
           </a:p>
@@ -1766,7 +1767,7 @@
           <a:p>
             <a:fld id="{A181EDF2-9F75-4EB1-8F26-F8DC2F3B82A2}" type="datetimeFigureOut">
               <a:rPr lang="pt-BR" smtClean="0"/>
-              <a:t>21/08/2020</a:t>
+              <a:t>28/08/2020</a:t>
             </a:fld>
             <a:endParaRPr lang="pt-BR"/>
           </a:p>
@@ -1884,7 +1885,7 @@
           <a:p>
             <a:fld id="{A181EDF2-9F75-4EB1-8F26-F8DC2F3B82A2}" type="datetimeFigureOut">
               <a:rPr lang="pt-BR" smtClean="0"/>
-              <a:t>21/08/2020</a:t>
+              <a:t>28/08/2020</a:t>
             </a:fld>
             <a:endParaRPr lang="pt-BR"/>
           </a:p>
@@ -1979,7 +1980,7 @@
           <a:p>
             <a:fld id="{A181EDF2-9F75-4EB1-8F26-F8DC2F3B82A2}" type="datetimeFigureOut">
               <a:rPr lang="pt-BR" smtClean="0"/>
-              <a:t>21/08/2020</a:t>
+              <a:t>28/08/2020</a:t>
             </a:fld>
             <a:endParaRPr lang="pt-BR"/>
           </a:p>
@@ -2256,7 +2257,7 @@
           <a:p>
             <a:fld id="{A181EDF2-9F75-4EB1-8F26-F8DC2F3B82A2}" type="datetimeFigureOut">
               <a:rPr lang="pt-BR" smtClean="0"/>
-              <a:t>21/08/2020</a:t>
+              <a:t>28/08/2020</a:t>
             </a:fld>
             <a:endParaRPr lang="pt-BR"/>
           </a:p>
@@ -2509,7 +2510,7 @@
           <a:p>
             <a:fld id="{A181EDF2-9F75-4EB1-8F26-F8DC2F3B82A2}" type="datetimeFigureOut">
               <a:rPr lang="pt-BR" smtClean="0"/>
-              <a:t>21/08/2020</a:t>
+              <a:t>28/08/2020</a:t>
             </a:fld>
             <a:endParaRPr lang="pt-BR"/>
           </a:p>
@@ -2722,7 +2723,7 @@
           <a:p>
             <a:fld id="{A181EDF2-9F75-4EB1-8F26-F8DC2F3B82A2}" type="datetimeFigureOut">
               <a:rPr lang="pt-BR" smtClean="0"/>
-              <a:t>21/08/2020</a:t>
+              <a:t>28/08/2020</a:t>
             </a:fld>
             <a:endParaRPr lang="pt-BR"/>
           </a:p>
@@ -3872,6 +3873,284 @@
 </file>
 
 <file path=ppt/slides/slide3.xml><?xml version="1.0" encoding="utf-8"?>
+<p:sld xmlns:a="http://schemas.openxmlformats.org/drawingml/2006/main" xmlns:r="http://schemas.openxmlformats.org/officeDocument/2006/relationships" xmlns:p="http://schemas.openxmlformats.org/presentationml/2006/main">
+  <p:cSld>
+    <p:spTree>
+      <p:nvGrpSpPr>
+        <p:cNvPr id="1" name=""/>
+        <p:cNvGrpSpPr/>
+        <p:nvPr/>
+      </p:nvGrpSpPr>
+      <p:grpSpPr>
+        <a:xfrm>
+          <a:off x="0" y="0"/>
+          <a:ext cx="0" cy="0"/>
+          <a:chOff x="0" y="0"/>
+          <a:chExt cx="0" cy="0"/>
+        </a:xfrm>
+      </p:grpSpPr>
+      <p:sp>
+        <p:nvSpPr>
+          <p:cNvPr id="4" name="Título 1"/>
+          <p:cNvSpPr txBox="1">
+            <a:spLocks/>
+          </p:cNvSpPr>
+          <p:nvPr/>
+        </p:nvSpPr>
+        <p:spPr>
+          <a:xfrm>
+            <a:off x="-324544" y="577965"/>
+            <a:ext cx="8790728" cy="792088"/>
+          </a:xfrm>
+          <a:prstGeom prst="rect">
+            <a:avLst/>
+          </a:prstGeom>
+        </p:spPr>
+        <p:txBody>
+          <a:bodyPr vert="horz" lIns="91440" tIns="45720" rIns="91440" bIns="45720" rtlCol="0" anchor="ctr">
+            <a:normAutofit/>
+          </a:bodyPr>
+          <a:lstStyle>
+            <a:lvl1pPr algn="ctr" defTabSz="914400" rtl="0" eaLnBrk="1" latinLnBrk="0" hangingPunct="1">
+              <a:spcBef>
+                <a:spcPct val="0"/>
+              </a:spcBef>
+              <a:buNone/>
+              <a:defRPr sz="4400" kern="1200">
+                <a:solidFill>
+                  <a:schemeClr val="tx1"/>
+                </a:solidFill>
+                <a:latin typeface="+mj-lt"/>
+                <a:ea typeface="+mj-ea"/>
+                <a:cs typeface="+mj-cs"/>
+              </a:defRPr>
+            </a:lvl1pPr>
+          </a:lstStyle>
+          <a:p>
+            <a:r>
+              <a:rPr lang="pt-BR" sz="4000" b="1" dirty="0" smtClean="0">
+                <a:latin typeface="Bahnschrift" panose="020B0502040204020203" pitchFamily="34" charset="0"/>
+              </a:rPr>
+              <a:t>Hospital – Relacionamentos</a:t>
+            </a:r>
+            <a:endParaRPr lang="pt-BR" sz="4000" b="1" dirty="0">
+              <a:latin typeface="Bahnschrift" panose="020B0502040204020203" pitchFamily="34" charset="0"/>
+            </a:endParaRPr>
+          </a:p>
+        </p:txBody>
+      </p:sp>
+      <p:pic>
+        <p:nvPicPr>
+          <p:cNvPr id="5" name="Imagem 4"/>
+          <p:cNvPicPr>
+            <a:picLocks noChangeAspect="1"/>
+          </p:cNvPicPr>
+          <p:nvPr/>
+        </p:nvPicPr>
+        <p:blipFill>
+          <a:blip r:embed="rId2" cstate="print">
+            <a:extLst>
+              <a:ext uri="{28A0092B-C50C-407E-A947-70E740481C1C}">
+                <a14:useLocalDpi xmlns:a14="http://schemas.microsoft.com/office/drawing/2010/main" val="0"/>
+              </a:ext>
+            </a:extLst>
+          </a:blip>
+          <a:stretch>
+            <a:fillRect/>
+          </a:stretch>
+        </p:blipFill>
+        <p:spPr>
+          <a:xfrm>
+            <a:off x="7452320" y="476672"/>
+            <a:ext cx="1163632" cy="994674"/>
+          </a:xfrm>
+          <a:prstGeom prst="rect">
+            <a:avLst/>
+          </a:prstGeom>
+        </p:spPr>
+      </p:pic>
+      <p:sp>
+        <p:nvSpPr>
+          <p:cNvPr id="6" name="Subtítulo 2"/>
+          <p:cNvSpPr>
+            <a:spLocks noGrp="1"/>
+          </p:cNvSpPr>
+          <p:nvPr>
+            <p:ph type="subTitle" idx="1"/>
+          </p:nvPr>
+        </p:nvSpPr>
+        <p:spPr>
+          <a:xfrm>
+            <a:off x="971600" y="1916832"/>
+            <a:ext cx="7272808" cy="3672408"/>
+          </a:xfrm>
+        </p:spPr>
+        <p:txBody>
+          <a:bodyPr>
+            <a:normAutofit/>
+          </a:bodyPr>
+          <a:lstStyle/>
+          <a:p>
+            <a:pPr marL="342900" indent="-342900" algn="l">
+              <a:lnSpc>
+                <a:spcPct val="200000"/>
+              </a:lnSpc>
+              <a:buSzPct val="140000"/>
+              <a:buFont typeface="Arial" panose="020B0604020202020204" pitchFamily="34" charset="0"/>
+              <a:buChar char="•"/>
+            </a:pPr>
+            <a:r>
+              <a:rPr lang="pt-BR" sz="2400" b="1" dirty="0" smtClean="0">
+                <a:solidFill>
+                  <a:schemeClr val="tx1"/>
+                </a:solidFill>
+                <a:latin typeface="Arial" panose="020B0604020202020204" pitchFamily="34" charset="0"/>
+                <a:cs typeface="Arial" panose="020B0604020202020204" pitchFamily="34" charset="0"/>
+              </a:rPr>
+              <a:t>Médico e Paciente – </a:t>
+            </a:r>
+            <a:r>
+              <a:rPr lang="pt-BR" sz="2400" b="1" dirty="0" smtClean="0">
+                <a:solidFill>
+                  <a:schemeClr val="tx1"/>
+                </a:solidFill>
+                <a:latin typeface="Arial" panose="020B0604020202020204" pitchFamily="34" charset="0"/>
+                <a:cs typeface="Arial" panose="020B0604020202020204" pitchFamily="34" charset="0"/>
+              </a:rPr>
+              <a:t>1:N (atende)</a:t>
+            </a:r>
+            <a:endParaRPr lang="pt-BR" sz="2400" b="1" dirty="0" smtClean="0">
+              <a:solidFill>
+                <a:schemeClr val="tx1"/>
+              </a:solidFill>
+              <a:latin typeface="Arial" panose="020B0604020202020204" pitchFamily="34" charset="0"/>
+              <a:cs typeface="Arial" panose="020B0604020202020204" pitchFamily="34" charset="0"/>
+            </a:endParaRPr>
+          </a:p>
+          <a:p>
+            <a:pPr marL="342900" indent="-342900" algn="l">
+              <a:lnSpc>
+                <a:spcPct val="200000"/>
+              </a:lnSpc>
+              <a:buSzPct val="140000"/>
+              <a:buFont typeface="Arial" panose="020B0604020202020204" pitchFamily="34" charset="0"/>
+              <a:buChar char="•"/>
+            </a:pPr>
+            <a:r>
+              <a:rPr lang="pt-BR" sz="2400" b="1" dirty="0" smtClean="0">
+                <a:solidFill>
+                  <a:schemeClr val="tx1"/>
+                </a:solidFill>
+                <a:latin typeface="Arial" panose="020B0604020202020204" pitchFamily="34" charset="0"/>
+                <a:cs typeface="Arial" panose="020B0604020202020204" pitchFamily="34" charset="0"/>
+              </a:rPr>
+              <a:t>Médico e Consultas – </a:t>
+            </a:r>
+            <a:r>
+              <a:rPr lang="pt-BR" sz="2400" b="1" dirty="0" smtClean="0">
+                <a:solidFill>
+                  <a:schemeClr val="tx1"/>
+                </a:solidFill>
+                <a:latin typeface="Arial" panose="020B0604020202020204" pitchFamily="34" charset="0"/>
+                <a:cs typeface="Arial" panose="020B0604020202020204" pitchFamily="34" charset="0"/>
+              </a:rPr>
+              <a:t>1:N (faz)</a:t>
+            </a:r>
+            <a:endParaRPr lang="pt-BR" sz="2400" b="1" dirty="0" smtClean="0">
+              <a:solidFill>
+                <a:schemeClr val="tx1"/>
+              </a:solidFill>
+              <a:latin typeface="Arial" panose="020B0604020202020204" pitchFamily="34" charset="0"/>
+              <a:cs typeface="Arial" panose="020B0604020202020204" pitchFamily="34" charset="0"/>
+            </a:endParaRPr>
+          </a:p>
+          <a:p>
+            <a:pPr marL="342900" indent="-342900" algn="l">
+              <a:lnSpc>
+                <a:spcPct val="200000"/>
+              </a:lnSpc>
+              <a:buSzPct val="140000"/>
+              <a:buFont typeface="Arial" panose="020B0604020202020204" pitchFamily="34" charset="0"/>
+              <a:buChar char="•"/>
+            </a:pPr>
+            <a:r>
+              <a:rPr lang="pt-BR" sz="2400" b="1" dirty="0" smtClean="0">
+                <a:solidFill>
+                  <a:schemeClr val="tx1"/>
+                </a:solidFill>
+                <a:latin typeface="Arial" panose="020B0604020202020204" pitchFamily="34" charset="0"/>
+                <a:cs typeface="Arial" panose="020B0604020202020204" pitchFamily="34" charset="0"/>
+              </a:rPr>
+              <a:t>Pacientes e Consultas – 1:N </a:t>
+            </a:r>
+            <a:r>
+              <a:rPr lang="pt-BR" sz="2400" b="1" dirty="0" smtClean="0">
+                <a:solidFill>
+                  <a:schemeClr val="tx1"/>
+                </a:solidFill>
+                <a:latin typeface="Arial" panose="020B0604020202020204" pitchFamily="34" charset="0"/>
+                <a:cs typeface="Arial" panose="020B0604020202020204" pitchFamily="34" charset="0"/>
+              </a:rPr>
+              <a:t>(faz)</a:t>
+            </a:r>
+            <a:endParaRPr lang="pt-BR" sz="2400" dirty="0" smtClean="0">
+              <a:solidFill>
+                <a:schemeClr val="tx1"/>
+              </a:solidFill>
+              <a:latin typeface="Arial" panose="020B0604020202020204" pitchFamily="34" charset="0"/>
+              <a:cs typeface="Arial" panose="020B0604020202020204" pitchFamily="34" charset="0"/>
+            </a:endParaRPr>
+          </a:p>
+          <a:p>
+            <a:pPr marL="342900" indent="-342900" algn="l">
+              <a:lnSpc>
+                <a:spcPct val="200000"/>
+              </a:lnSpc>
+              <a:buSzPct val="140000"/>
+              <a:buFont typeface="Arial" panose="020B0604020202020204" pitchFamily="34" charset="0"/>
+              <a:buChar char="•"/>
+            </a:pPr>
+            <a:r>
+              <a:rPr lang="pt-BR" sz="2400" b="1" dirty="0" smtClean="0">
+                <a:solidFill>
+                  <a:schemeClr val="tx1"/>
+                </a:solidFill>
+                <a:latin typeface="Arial" panose="020B0604020202020204" pitchFamily="34" charset="0"/>
+                <a:cs typeface="Arial" panose="020B0604020202020204" pitchFamily="34" charset="0"/>
+              </a:rPr>
+              <a:t>Consultas e Exames – </a:t>
+            </a:r>
+            <a:r>
+              <a:rPr lang="pt-BR" sz="2400" b="1" dirty="0" smtClean="0">
+                <a:solidFill>
+                  <a:schemeClr val="tx1"/>
+                </a:solidFill>
+                <a:latin typeface="Arial" panose="020B0604020202020204" pitchFamily="34" charset="0"/>
+                <a:cs typeface="Arial" panose="020B0604020202020204" pitchFamily="34" charset="0"/>
+              </a:rPr>
+              <a:t>1:N (pede)</a:t>
+            </a:r>
+            <a:endParaRPr lang="pt-BR" sz="2400" dirty="0">
+              <a:latin typeface="Arial" panose="020B0604020202020204" pitchFamily="34" charset="0"/>
+              <a:cs typeface="Arial" panose="020B0604020202020204" pitchFamily="34" charset="0"/>
+            </a:endParaRPr>
+          </a:p>
+        </p:txBody>
+      </p:sp>
+    </p:spTree>
+    <p:extLst>
+      <p:ext uri="{BB962C8B-B14F-4D97-AF65-F5344CB8AC3E}">
+        <p14:creationId xmlns:p14="http://schemas.microsoft.com/office/powerpoint/2010/main" val="2797966225"/>
+      </p:ext>
+    </p:extLst>
+  </p:cSld>
+  <p:clrMapOvr>
+    <a:masterClrMapping/>
+  </p:clrMapOvr>
+</p:sld>
+</file>
+
+<file path=ppt/slides/slide4.xml><?xml version="1.0" encoding="utf-8"?>
 <p:sld xmlns:a="http://schemas.openxmlformats.org/drawingml/2006/main" xmlns:r="http://schemas.openxmlformats.org/officeDocument/2006/relationships" xmlns:p="http://schemas.openxmlformats.org/presentationml/2006/main">
   <p:cSld>
     <p:spTree>
